--- a/Formation Spring Boot.pptx
+++ b/Formation Spring Boot.pptx
@@ -867,7 +867,7 @@
             <a:fld id="{B61BEF0D-F0BB-DE4B-95CE-6DB70DBA9567}" type="datetimeFigureOut">
               <a:rPr lang="en-US" dirty="0"/>
               <a:pPr/>
-              <a:t>2/17/2025</a:t>
+              <a:t>6/4/2025</a:t>
             </a:fld>
             <a:endParaRPr lang="en-US" dirty="0"/>
           </a:p>
@@ -1115,7 +1115,7 @@
             <a:fld id="{B61BEF0D-F0BB-DE4B-95CE-6DB70DBA9567}" type="datetimeFigureOut">
               <a:rPr lang="en-US" dirty="0"/>
               <a:pPr/>
-              <a:t>2/17/2025</a:t>
+              <a:t>6/4/2025</a:t>
             </a:fld>
             <a:endParaRPr lang="en-US" dirty="0"/>
           </a:p>
@@ -1426,7 +1426,7 @@
             <a:fld id="{B61BEF0D-F0BB-DE4B-95CE-6DB70DBA9567}" type="datetimeFigureOut">
               <a:rPr lang="en-US" dirty="0"/>
               <a:pPr/>
-              <a:t>2/17/2025</a:t>
+              <a:t>6/4/2025</a:t>
             </a:fld>
             <a:endParaRPr lang="en-US" dirty="0"/>
           </a:p>
@@ -1756,7 +1756,7 @@
             <a:fld id="{B61BEF0D-F0BB-DE4B-95CE-6DB70DBA9567}" type="datetimeFigureOut">
               <a:rPr lang="en-US" dirty="0"/>
               <a:pPr/>
-              <a:t>2/17/2025</a:t>
+              <a:t>6/4/2025</a:t>
             </a:fld>
             <a:endParaRPr lang="en-US" dirty="0"/>
           </a:p>
@@ -2067,7 +2067,7 @@
             <a:fld id="{B61BEF0D-F0BB-DE4B-95CE-6DB70DBA9567}" type="datetimeFigureOut">
               <a:rPr lang="en-US" dirty="0"/>
               <a:pPr/>
-              <a:t>2/17/2025</a:t>
+              <a:t>6/4/2025</a:t>
             </a:fld>
             <a:endParaRPr lang="en-US" dirty="0"/>
           </a:p>
@@ -2457,7 +2457,7 @@
             <a:fld id="{B61BEF0D-F0BB-DE4B-95CE-6DB70DBA9567}" type="datetimeFigureOut">
               <a:rPr lang="en-US" dirty="0"/>
               <a:pPr/>
-              <a:t>2/17/2025</a:t>
+              <a:t>6/4/2025</a:t>
             </a:fld>
             <a:endParaRPr lang="en-US" dirty="0"/>
           </a:p>
@@ -2623,7 +2623,7 @@
           <a:p>
             <a:fld id="{55C6B4A9-1611-4792-9094-5F34BCA07E0B}" type="datetimeFigureOut">
               <a:rPr lang="en-US" dirty="0"/>
-              <a:t>2/17/2025</a:t>
+              <a:t>6/4/2025</a:t>
             </a:fld>
             <a:endParaRPr lang="en-US" dirty="0"/>
           </a:p>
@@ -2799,7 +2799,7 @@
             <a:fld id="{B61BEF0D-F0BB-DE4B-95CE-6DB70DBA9567}" type="datetimeFigureOut">
               <a:rPr lang="en-US" dirty="0"/>
               <a:pPr/>
-              <a:t>2/17/2025</a:t>
+              <a:t>6/4/2025</a:t>
             </a:fld>
             <a:endParaRPr lang="en-US" dirty="0"/>
           </a:p>
@@ -2965,7 +2965,7 @@
           <a:p>
             <a:fld id="{42A54C80-263E-416B-A8E0-580EDEADCBDC}" type="datetimeFigureOut">
               <a:rPr lang="en-US" dirty="0"/>
-              <a:t>2/17/2025</a:t>
+              <a:t>6/4/2025</a:t>
             </a:fld>
             <a:endParaRPr lang="en-US" dirty="0"/>
           </a:p>
@@ -3208,7 +3208,7 @@
             <a:fld id="{B61BEF0D-F0BB-DE4B-95CE-6DB70DBA9567}" type="datetimeFigureOut">
               <a:rPr lang="en-US" dirty="0"/>
               <a:pPr/>
-              <a:t>2/17/2025</a:t>
+              <a:t>6/4/2025</a:t>
             </a:fld>
             <a:endParaRPr lang="en-US" dirty="0"/>
           </a:p>
@@ -3436,7 +3436,7 @@
           <a:p>
             <a:fld id="{42A54C80-263E-416B-A8E0-580EDEADCBDC}" type="datetimeFigureOut">
               <a:rPr lang="en-US" dirty="0"/>
-              <a:t>2/17/2025</a:t>
+              <a:t>6/4/2025</a:t>
             </a:fld>
             <a:endParaRPr lang="en-US" dirty="0"/>
           </a:p>
@@ -3806,7 +3806,7 @@
             <a:fld id="{B61BEF0D-F0BB-DE4B-95CE-6DB70DBA9567}" type="datetimeFigureOut">
               <a:rPr lang="en-US" dirty="0"/>
               <a:pPr/>
-              <a:t>2/17/2025</a:t>
+              <a:t>6/4/2025</a:t>
             </a:fld>
             <a:endParaRPr lang="en-US" dirty="0"/>
           </a:p>
@@ -3926,7 +3926,7 @@
             <a:fld id="{B61BEF0D-F0BB-DE4B-95CE-6DB70DBA9567}" type="datetimeFigureOut">
               <a:rPr lang="en-US" dirty="0"/>
               <a:pPr/>
-              <a:t>2/17/2025</a:t>
+              <a:t>6/4/2025</a:t>
             </a:fld>
             <a:endParaRPr lang="en-US" dirty="0"/>
           </a:p>
@@ -4018,7 +4018,7 @@
             <a:fld id="{B61BEF0D-F0BB-DE4B-95CE-6DB70DBA9567}" type="datetimeFigureOut">
               <a:rPr lang="en-US" dirty="0"/>
               <a:pPr/>
-              <a:t>2/17/2025</a:t>
+              <a:t>6/4/2025</a:t>
             </a:fld>
             <a:endParaRPr lang="en-US" dirty="0"/>
           </a:p>
@@ -4269,7 +4269,7 @@
           <a:p>
             <a:fld id="{42A54C80-263E-416B-A8E0-580EDEADCBDC}" type="datetimeFigureOut">
               <a:rPr lang="en-US" dirty="0"/>
-              <a:t>2/17/2025</a:t>
+              <a:t>6/4/2025</a:t>
             </a:fld>
             <a:endParaRPr lang="en-US" dirty="0"/>
           </a:p>
@@ -4571,7 +4571,7 @@
             <a:fld id="{B61BEF0D-F0BB-DE4B-95CE-6DB70DBA9567}" type="datetimeFigureOut">
               <a:rPr lang="en-US" dirty="0"/>
               <a:pPr/>
-              <a:t>2/17/2025</a:t>
+              <a:t>6/4/2025</a:t>
             </a:fld>
             <a:endParaRPr lang="en-US" dirty="0"/>
           </a:p>
@@ -5269,7 +5269,7 @@
             <a:fld id="{B61BEF0D-F0BB-DE4B-95CE-6DB70DBA9567}" type="datetimeFigureOut">
               <a:rPr lang="en-US" dirty="0"/>
               <a:pPr/>
-              <a:t>2/17/2025</a:t>
+              <a:t>6/4/2025</a:t>
             </a:fld>
             <a:endParaRPr lang="en-US" dirty="0"/>
           </a:p>
@@ -6497,15 +6497,15 @@
           <a:p>
             <a:r>
               <a:rPr lang="fr-FR" dirty="0"/>
-              <a:t>Simplicité : L’</a:t>
-            </a:r>
-            <a:r>
-              <a:rPr lang="fr-FR" dirty="0" err="1"/>
-              <a:t>architecure</a:t>
+              <a:t>Simplicité </a:t>
+            </a:r>
+            <a:r>
+              <a:rPr lang="fr-FR"/>
+              <a:t>: L’architecture </a:t>
             </a:r>
             <a:r>
               <a:rPr lang="fr-FR" dirty="0"/>
-              <a:t> REST est simple à comprendre</a:t>
+              <a:t>REST est simple à comprendre</a:t>
             </a:r>
           </a:p>
           <a:p>
